--- a/FrontEnd/Week5/Week 5.pptx
+++ b/FrontEnd/Week5/Week 5.pptx
@@ -753,7 +753,7 @@
           <a:p>
             <a:fld id="{F28A4246-F2A7-4220-A405-8A96DAE08D6A}" type="datetimeFigureOut">
               <a:rPr lang="en-US" smtClean="0"/>
-              <a:t>10/1/2024</a:t>
+              <a:t>10/2/2024</a:t>
             </a:fld>
             <a:endParaRPr lang="en-US"/>
           </a:p>
@@ -923,7 +923,7 @@
           <a:p>
             <a:fld id="{F28A4246-F2A7-4220-A405-8A96DAE08D6A}" type="datetimeFigureOut">
               <a:rPr lang="en-US" smtClean="0"/>
-              <a:t>10/1/2024</a:t>
+              <a:t>10/2/2024</a:t>
             </a:fld>
             <a:endParaRPr lang="en-US"/>
           </a:p>
@@ -1103,7 +1103,7 @@
           <a:p>
             <a:fld id="{F28A4246-F2A7-4220-A405-8A96DAE08D6A}" type="datetimeFigureOut">
               <a:rPr lang="en-US" smtClean="0"/>
-              <a:t>10/1/2024</a:t>
+              <a:t>10/2/2024</a:t>
             </a:fld>
             <a:endParaRPr lang="en-US"/>
           </a:p>
@@ -1273,7 +1273,7 @@
           <a:p>
             <a:fld id="{F28A4246-F2A7-4220-A405-8A96DAE08D6A}" type="datetimeFigureOut">
               <a:rPr lang="en-US" smtClean="0"/>
-              <a:t>10/1/2024</a:t>
+              <a:t>10/2/2024</a:t>
             </a:fld>
             <a:endParaRPr lang="en-US"/>
           </a:p>
@@ -1519,7 +1519,7 @@
           <a:p>
             <a:fld id="{F28A4246-F2A7-4220-A405-8A96DAE08D6A}" type="datetimeFigureOut">
               <a:rPr lang="en-US" smtClean="0"/>
-              <a:t>10/1/2024</a:t>
+              <a:t>10/2/2024</a:t>
             </a:fld>
             <a:endParaRPr lang="en-US"/>
           </a:p>
@@ -1751,7 +1751,7 @@
           <a:p>
             <a:fld id="{F28A4246-F2A7-4220-A405-8A96DAE08D6A}" type="datetimeFigureOut">
               <a:rPr lang="en-US" smtClean="0"/>
-              <a:t>10/1/2024</a:t>
+              <a:t>10/2/2024</a:t>
             </a:fld>
             <a:endParaRPr lang="en-US"/>
           </a:p>
@@ -2118,7 +2118,7 @@
           <a:p>
             <a:fld id="{F28A4246-F2A7-4220-A405-8A96DAE08D6A}" type="datetimeFigureOut">
               <a:rPr lang="en-US" smtClean="0"/>
-              <a:t>10/1/2024</a:t>
+              <a:t>10/2/2024</a:t>
             </a:fld>
             <a:endParaRPr lang="en-US"/>
           </a:p>
@@ -2236,7 +2236,7 @@
           <a:p>
             <a:fld id="{F28A4246-F2A7-4220-A405-8A96DAE08D6A}" type="datetimeFigureOut">
               <a:rPr lang="en-US" smtClean="0"/>
-              <a:t>10/1/2024</a:t>
+              <a:t>10/2/2024</a:t>
             </a:fld>
             <a:endParaRPr lang="en-US"/>
           </a:p>
@@ -2331,7 +2331,7 @@
           <a:p>
             <a:fld id="{F28A4246-F2A7-4220-A405-8A96DAE08D6A}" type="datetimeFigureOut">
               <a:rPr lang="en-US" smtClean="0"/>
-              <a:t>10/1/2024</a:t>
+              <a:t>10/2/2024</a:t>
             </a:fld>
             <a:endParaRPr lang="en-US"/>
           </a:p>
@@ -2608,7 +2608,7 @@
           <a:p>
             <a:fld id="{F28A4246-F2A7-4220-A405-8A96DAE08D6A}" type="datetimeFigureOut">
               <a:rPr lang="en-US" smtClean="0"/>
-              <a:t>10/1/2024</a:t>
+              <a:t>10/2/2024</a:t>
             </a:fld>
             <a:endParaRPr lang="en-US"/>
           </a:p>
@@ -2865,7 +2865,7 @@
           <a:p>
             <a:fld id="{F28A4246-F2A7-4220-A405-8A96DAE08D6A}" type="datetimeFigureOut">
               <a:rPr lang="en-US" smtClean="0"/>
-              <a:t>10/1/2024</a:t>
+              <a:t>10/2/2024</a:t>
             </a:fld>
             <a:endParaRPr lang="en-US"/>
           </a:p>
@@ -3078,7 +3078,7 @@
           <a:p>
             <a:fld id="{F28A4246-F2A7-4220-A405-8A96DAE08D6A}" type="datetimeFigureOut">
               <a:rPr lang="en-US" smtClean="0"/>
-              <a:t>10/1/2024</a:t>
+              <a:t>10/2/2024</a:t>
             </a:fld>
             <a:endParaRPr lang="en-US"/>
           </a:p>
@@ -3799,12 +3799,24 @@
               <a:t>	</a:t>
             </a:r>
             <a:r>
-              <a:rPr lang="en-US" dirty="0" err="1"/>
+              <a:rPr lang="en-US" dirty="0" err="1">
+                <a:solidFill>
+                  <a:srgbClr val="FFFF00"/>
+                </a:solidFill>
+              </a:rPr>
               <a:t>document.createElement</a:t>
             </a:r>
             <a:r>
-              <a:rPr lang="en-US" dirty="0"/>
-              <a:t>(name): creates a new element of 	type specified by the name.</a:t>
+              <a:rPr lang="en-US" dirty="0">
+                <a:solidFill>
+                  <a:srgbClr val="FFFF00"/>
+                </a:solidFill>
+              </a:rPr>
+              <a:t>(name): </a:t>
+            </a:r>
+            <a:r>
+              <a:rPr lang="en-US" dirty="0"/>
+              <a:t>creates a new element of 	type specified by the name.</a:t>
             </a:r>
           </a:p>
           <a:p>
@@ -3822,12 +3834,24 @@
               <a:t>            </a:t>
             </a:r>
             <a:r>
-              <a:rPr lang="en-US" dirty="0" err="1"/>
+              <a:rPr lang="en-US" dirty="0" err="1">
+                <a:solidFill>
+                  <a:srgbClr val="FFFF00"/>
+                </a:solidFill>
+              </a:rPr>
               <a:t>document.createTextNode</a:t>
             </a:r>
             <a:r>
-              <a:rPr lang="en-US" dirty="0"/>
-              <a:t>(text): creates a new text node(the 	text withing an elements vs the element itself)</a:t>
+              <a:rPr lang="en-US" dirty="0">
+                <a:solidFill>
+                  <a:srgbClr val="FFFF00"/>
+                </a:solidFill>
+              </a:rPr>
+              <a:t>(text): </a:t>
+            </a:r>
+            <a:r>
+              <a:rPr lang="en-US" dirty="0"/>
+              <a:t>creates a new text node(the 	text withing an elements vs the element itself)</a:t>
             </a:r>
           </a:p>
           <a:p>
@@ -3845,11 +3869,19 @@
               <a:t>            </a:t>
             </a:r>
             <a:r>
-              <a:rPr lang="en-US" dirty="0" err="1"/>
+              <a:rPr lang="en-US" dirty="0" err="1">
+                <a:solidFill>
+                  <a:srgbClr val="FFFF00"/>
+                </a:solidFill>
+              </a:rPr>
               <a:t>appendChild</a:t>
             </a:r>
             <a:r>
-              <a:rPr lang="en-US" dirty="0"/>
+              <a:rPr lang="en-US" dirty="0">
+                <a:solidFill>
+                  <a:srgbClr val="FFFF00"/>
+                </a:solidFill>
+              </a:rPr>
               <a:t>();</a:t>
             </a:r>
           </a:p>
@@ -3936,8 +3968,24 @@
               <a:buNone/>
             </a:pPr>
             <a:r>
-              <a:rPr lang="en-US" dirty="0"/>
-              <a:t>            element.id - </a:t>
+              <a:rPr lang="en-US">
+                <a:solidFill>
+                  <a:srgbClr val="FFFF00"/>
+                </a:solidFill>
+              </a:rPr>
+              <a:t>            	element</a:t>
+            </a:r>
+            <a:r>
+              <a:rPr lang="en-US" dirty="0">
+                <a:solidFill>
+                  <a:srgbClr val="FFFF00"/>
+                </a:solidFill>
+              </a:rPr>
+              <a:t>.id </a:t>
+            </a:r>
+            <a:r>
+              <a:rPr lang="en-US" dirty="0"/>
+              <a:t>- </a:t>
             </a:r>
           </a:p>
           <a:p>
@@ -3945,24 +3993,52 @@
               <a:buNone/>
             </a:pPr>
             <a:r>
-              <a:rPr lang="en-US" dirty="0"/>
-              <a:t>            </a:t>
-            </a:r>
-            <a:r>
-              <a:rPr lang="en-US" dirty="0" err="1"/>
+              <a:rPr lang="en-US" dirty="0">
+                <a:solidFill>
+                  <a:srgbClr val="FFFF00"/>
+                </a:solidFill>
+              </a:rPr>
+              <a:t>            	</a:t>
+            </a:r>
+            <a:r>
+              <a:rPr lang="en-US" dirty="0" err="1">
+                <a:solidFill>
+                  <a:srgbClr val="FFFF00"/>
+                </a:solidFill>
+              </a:rPr>
               <a:t>element.innerHTML</a:t>
             </a:r>
             <a:r>
-              <a:rPr lang="en-US" dirty="0"/>
-              <a:t> - gets or sets the markup contained within the 	</a:t>
-            </a:r>
-            <a:r>
-              <a:rPr lang="en-US" dirty="0" err="1"/>
+              <a:rPr lang="en-US" dirty="0">
+                <a:solidFill>
+                  <a:srgbClr val="FFFF00"/>
+                </a:solidFill>
+              </a:rPr>
+              <a:t> </a:t>
+            </a:r>
+            <a:r>
+              <a:rPr lang="en-US" dirty="0"/>
+              <a:t>- gets or sets the markup contained within the     	</a:t>
+            </a:r>
+            <a:r>
+              <a:rPr lang="en-US" dirty="0" err="1">
+                <a:solidFill>
+                  <a:srgbClr val="FFFF00"/>
+                </a:solidFill>
+              </a:rPr>
               <a:t>element.innerText</a:t>
             </a:r>
             <a:r>
-              <a:rPr lang="en-US" dirty="0"/>
-              <a:t> - gets or sets the text withing the element</a:t>
+              <a:rPr lang="en-US" dirty="0">
+                <a:solidFill>
+                  <a:srgbClr val="FFFF00"/>
+                </a:solidFill>
+              </a:rPr>
+              <a:t> </a:t>
+            </a:r>
+            <a:r>
+              <a:rPr lang="en-US" dirty="0"/>
+              <a:t>- gets or sets the text withing the element</a:t>
             </a:r>
           </a:p>
           <a:p>
@@ -4691,7 +4767,7 @@
         <p:spPr/>
         <p:txBody>
           <a:bodyPr>
-            <a:normAutofit lnSpcReduction="10000"/>
+            <a:normAutofit fontScale="92500"/>
           </a:bodyPr>
           <a:lstStyle/>
           <a:p>
@@ -4700,7 +4776,19 @@
             </a:pPr>
             <a:r>
               <a:rPr lang="en-US" dirty="0"/>
-              <a:t>Let’s make HTML,CSS and JavaScript talk to each other!</a:t>
+              <a:t>Let’s make </a:t>
+            </a:r>
+            <a:r>
+              <a:rPr lang="en-US" dirty="0">
+                <a:solidFill>
+                  <a:srgbClr val="FFFF00"/>
+                </a:solidFill>
+              </a:rPr>
+              <a:t>HTML,CSS and JavaScript </a:t>
+            </a:r>
+            <a:r>
+              <a:rPr lang="en-US" dirty="0"/>
+              <a:t>talk to each other!</a:t>
             </a:r>
           </a:p>
           <a:p>
@@ -4745,7 +4833,7 @@
             </a:pPr>
             <a:r>
               <a:rPr lang="en-US" dirty="0"/>
-              <a:t>API – Application programming interface</a:t>
+              <a:t>DOM is an API – Just for information!</a:t>
             </a:r>
           </a:p>
           <a:p>
@@ -4760,8 +4848,14 @@
             </a:pPr>
             <a:r>
               <a:rPr lang="en-US" dirty="0"/>
-              <a:t>DOM is an API – Just for information!</a:t>
-            </a:r>
+              <a:t>API – Application programming interface – Website talking to website</a:t>
+            </a:r>
+          </a:p>
+          <a:p>
+            <a:pPr marL="0" indent="0">
+              <a:buNone/>
+            </a:pPr>
+            <a:endParaRPr lang="en-US" dirty="0"/>
           </a:p>
         </p:txBody>
       </p:sp>
@@ -4817,8 +4911,12 @@
           <a:lstStyle/>
           <a:p>
             <a:r>
-              <a:rPr lang="en-US" dirty="0"/>
-              <a:t>DOM</a:t>
+              <a:rPr lang="en-US" dirty="0">
+                <a:solidFill>
+                  <a:srgbClr val="FFFF00"/>
+                </a:solidFill>
+              </a:rPr>
+              <a:t>DOM – Document Object Model</a:t>
             </a:r>
           </a:p>
         </p:txBody>
@@ -4855,7 +4953,7 @@
           <a:p>
             <a:r>
               <a:rPr lang="en-US" dirty="0"/>
-              <a:t>By using this tree, we can do a lot of wonderful things with HTML and CSS</a:t>
+              <a:t>By using this tree, we can do a lot of wonderful things with HTML and CSS and JavaScript!</a:t>
             </a:r>
           </a:p>
           <a:p>
@@ -5470,7 +5568,19 @@
           <a:p>
             <a:r>
               <a:rPr lang="en-US" dirty="0"/>
-              <a:t> HTML Nodes: All html elements are called HTML nodes.</a:t>
+              <a:t> </a:t>
+            </a:r>
+            <a:r>
+              <a:rPr lang="en-US" dirty="0">
+                <a:solidFill>
+                  <a:srgbClr val="FFFF00"/>
+                </a:solidFill>
+              </a:rPr>
+              <a:t>HTML Nodes</a:t>
+            </a:r>
+            <a:r>
+              <a:rPr lang="en-US" dirty="0"/>
+              <a:t>: All html elements are called HTML nodes.</a:t>
             </a:r>
           </a:p>
           <a:p>
@@ -5482,7 +5592,19 @@
           <a:p>
             <a:r>
               <a:rPr lang="en-US" dirty="0"/>
-              <a:t> Text Nodes: All text values are called text nodes...</a:t>
+              <a:t> </a:t>
+            </a:r>
+            <a:r>
+              <a:rPr lang="en-US" dirty="0">
+                <a:solidFill>
+                  <a:srgbClr val="FFFF00"/>
+                </a:solidFill>
+              </a:rPr>
+              <a:t>Text Nodes</a:t>
+            </a:r>
+            <a:r>
+              <a:rPr lang="en-US" dirty="0"/>
+              <a:t>: All text values are called text nodes...</a:t>
             </a:r>
           </a:p>
         </p:txBody>

--- a/FrontEnd/Week5/Week 5.pptx
+++ b/FrontEnd/Week5/Week 5.pptx
@@ -753,7 +753,7 @@
           <a:p>
             <a:fld id="{F28A4246-F2A7-4220-A405-8A96DAE08D6A}" type="datetimeFigureOut">
               <a:rPr lang="en-US" smtClean="0"/>
-              <a:t>10/2/2024</a:t>
+              <a:t>10/7/24</a:t>
             </a:fld>
             <a:endParaRPr lang="en-US"/>
           </a:p>
@@ -923,7 +923,7 @@
           <a:p>
             <a:fld id="{F28A4246-F2A7-4220-A405-8A96DAE08D6A}" type="datetimeFigureOut">
               <a:rPr lang="en-US" smtClean="0"/>
-              <a:t>10/2/2024</a:t>
+              <a:t>10/7/24</a:t>
             </a:fld>
             <a:endParaRPr lang="en-US"/>
           </a:p>
@@ -1103,7 +1103,7 @@
           <a:p>
             <a:fld id="{F28A4246-F2A7-4220-A405-8A96DAE08D6A}" type="datetimeFigureOut">
               <a:rPr lang="en-US" smtClean="0"/>
-              <a:t>10/2/2024</a:t>
+              <a:t>10/7/24</a:t>
             </a:fld>
             <a:endParaRPr lang="en-US"/>
           </a:p>
@@ -1273,7 +1273,7 @@
           <a:p>
             <a:fld id="{F28A4246-F2A7-4220-A405-8A96DAE08D6A}" type="datetimeFigureOut">
               <a:rPr lang="en-US" smtClean="0"/>
-              <a:t>10/2/2024</a:t>
+              <a:t>10/7/24</a:t>
             </a:fld>
             <a:endParaRPr lang="en-US"/>
           </a:p>
@@ -1519,7 +1519,7 @@
           <a:p>
             <a:fld id="{F28A4246-F2A7-4220-A405-8A96DAE08D6A}" type="datetimeFigureOut">
               <a:rPr lang="en-US" smtClean="0"/>
-              <a:t>10/2/2024</a:t>
+              <a:t>10/7/24</a:t>
             </a:fld>
             <a:endParaRPr lang="en-US"/>
           </a:p>
@@ -1751,7 +1751,7 @@
           <a:p>
             <a:fld id="{F28A4246-F2A7-4220-A405-8A96DAE08D6A}" type="datetimeFigureOut">
               <a:rPr lang="en-US" smtClean="0"/>
-              <a:t>10/2/2024</a:t>
+              <a:t>10/7/24</a:t>
             </a:fld>
             <a:endParaRPr lang="en-US"/>
           </a:p>
@@ -2118,7 +2118,7 @@
           <a:p>
             <a:fld id="{F28A4246-F2A7-4220-A405-8A96DAE08D6A}" type="datetimeFigureOut">
               <a:rPr lang="en-US" smtClean="0"/>
-              <a:t>10/2/2024</a:t>
+              <a:t>10/7/24</a:t>
             </a:fld>
             <a:endParaRPr lang="en-US"/>
           </a:p>
@@ -2236,7 +2236,7 @@
           <a:p>
             <a:fld id="{F28A4246-F2A7-4220-A405-8A96DAE08D6A}" type="datetimeFigureOut">
               <a:rPr lang="en-US" smtClean="0"/>
-              <a:t>10/2/2024</a:t>
+              <a:t>10/7/24</a:t>
             </a:fld>
             <a:endParaRPr lang="en-US"/>
           </a:p>
@@ -2331,7 +2331,7 @@
           <a:p>
             <a:fld id="{F28A4246-F2A7-4220-A405-8A96DAE08D6A}" type="datetimeFigureOut">
               <a:rPr lang="en-US" smtClean="0"/>
-              <a:t>10/2/2024</a:t>
+              <a:t>10/7/24</a:t>
             </a:fld>
             <a:endParaRPr lang="en-US"/>
           </a:p>
@@ -2608,7 +2608,7 @@
           <a:p>
             <a:fld id="{F28A4246-F2A7-4220-A405-8A96DAE08D6A}" type="datetimeFigureOut">
               <a:rPr lang="en-US" smtClean="0"/>
-              <a:t>10/2/2024</a:t>
+              <a:t>10/7/24</a:t>
             </a:fld>
             <a:endParaRPr lang="en-US"/>
           </a:p>
@@ -2865,7 +2865,7 @@
           <a:p>
             <a:fld id="{F28A4246-F2A7-4220-A405-8A96DAE08D6A}" type="datetimeFigureOut">
               <a:rPr lang="en-US" smtClean="0"/>
-              <a:t>10/2/2024</a:t>
+              <a:t>10/7/24</a:t>
             </a:fld>
             <a:endParaRPr lang="en-US"/>
           </a:p>
@@ -3078,7 +3078,7 @@
           <a:p>
             <a:fld id="{F28A4246-F2A7-4220-A405-8A96DAE08D6A}" type="datetimeFigureOut">
               <a:rPr lang="en-US" smtClean="0"/>
-              <a:t>10/2/2024</a:t>
+              <a:t>10/7/24</a:t>
             </a:fld>
             <a:endParaRPr lang="en-US"/>
           </a:p>
@@ -4181,15 +4181,7 @@
             </a:pPr>
             <a:r>
               <a:rPr lang="en-US" dirty="0"/>
-              <a:t>4. </a:t>
-            </a:r>
-            <a:r>
-              <a:rPr lang="en-US" dirty="0" err="1"/>
-              <a:t>Events:DOM</a:t>
-            </a:r>
-            <a:r>
-              <a:rPr lang="en-US" dirty="0"/>
-              <a:t> heavily replies on a concept know as "event-driven programming"</a:t>
+              <a:t>4. Events: DOM heavily replies on a concept know as "event-driven programming"</a:t>
             </a:r>
           </a:p>
           <a:p>
@@ -4198,31 +4190,7 @@
             </a:pPr>
             <a:r>
               <a:rPr lang="en-US" dirty="0"/>
-              <a:t>            The examples of events might: user actions(clicking a button, move the mouse over , pressing </a:t>
-            </a:r>
-            <a:r>
-              <a:rPr lang="en-US" dirty="0" err="1"/>
-              <a:t>akey</a:t>
-            </a:r>
-            <a:r>
-              <a:rPr lang="en-US" dirty="0"/>
-              <a:t>, </a:t>
-            </a:r>
-            <a:r>
-              <a:rPr lang="en-US" dirty="0" err="1"/>
-              <a:t>changeing</a:t>
-            </a:r>
-            <a:r>
-              <a:rPr lang="en-US" dirty="0"/>
-              <a:t> tab) or browser/code </a:t>
-            </a:r>
-            <a:r>
-              <a:rPr lang="en-US" dirty="0" err="1"/>
-              <a:t>intitiated</a:t>
-            </a:r>
-            <a:r>
-              <a:rPr lang="en-US" dirty="0"/>
-              <a:t> actions(</a:t>
+              <a:t>            The examples of events might: user actions(clicking a button, move the mouse over , pressing a key, changing tab) or browser/code initiated actions(</a:t>
             </a:r>
             <a:r>
               <a:rPr lang="en-US" dirty="0" err="1"/>
@@ -4230,15 +4198,7 @@
             </a:r>
             <a:r>
               <a:rPr lang="en-US" dirty="0"/>
-              <a:t> from background, </a:t>
-            </a:r>
-            <a:r>
-              <a:rPr lang="en-US" dirty="0" err="1"/>
-              <a:t>reporst</a:t>
-            </a:r>
-            <a:r>
-              <a:rPr lang="en-US" dirty="0"/>
-              <a:t> from sensors)</a:t>
+              <a:t> from background, reports from sensors)</a:t>
             </a:r>
           </a:p>
           <a:p>

--- a/FrontEnd/Week5/Week 5.pptx
+++ b/FrontEnd/Week5/Week 5.pptx
@@ -152,7 +152,7 @@
 <file path=ppt/revisionInfo.xml><?xml version="1.0" encoding="utf-8"?>
 <p1510:revInfo xmlns:a="http://schemas.openxmlformats.org/drawingml/2006/main" xmlns:r="http://schemas.openxmlformats.org/officeDocument/2006/relationships" xmlns:p1510="http://schemas.microsoft.com/office/powerpoint/2015/10/main">
   <p1510:revLst>
-    <p1510:client id="{1B33B99A-FFF5-4297-BCA3-8BB08BA16D06}" v="6" dt="2024-10-02T02:31:01.895"/>
+    <p1510:client id="{6CFFC419-52BB-E147-9D4F-97E7337070CC}" v="4" dt="2025-01-29T12:44:24.483"/>
   </p1510:revLst>
 </p1510:revInfo>
 </file>
@@ -619,6 +619,30 @@
       </pc:sldChg>
     </pc:docChg>
   </pc:docChgLst>
+  <pc:docChgLst>
+    <pc:chgData name="Noman  Atique" userId="aab35d70-e8e0-4a76-8862-eddb3a1d4775" providerId="ADAL" clId="{6CFFC419-52BB-E147-9D4F-97E7337070CC}"/>
+    <pc:docChg chg="custSel modSld">
+      <pc:chgData name="Noman  Atique" userId="aab35d70-e8e0-4a76-8862-eddb3a1d4775" providerId="ADAL" clId="{6CFFC419-52BB-E147-9D4F-97E7337070CC}" dt="2025-01-29T12:44:24.484" v="3" actId="27636"/>
+      <pc:docMkLst>
+        <pc:docMk/>
+      </pc:docMkLst>
+      <pc:sldChg chg="modSp mod">
+        <pc:chgData name="Noman  Atique" userId="aab35d70-e8e0-4a76-8862-eddb3a1d4775" providerId="ADAL" clId="{6CFFC419-52BB-E147-9D4F-97E7337070CC}" dt="2025-01-29T12:44:24.484" v="3" actId="27636"/>
+        <pc:sldMkLst>
+          <pc:docMk/>
+          <pc:sldMk cId="1609555078" sldId="268"/>
+        </pc:sldMkLst>
+        <pc:spChg chg="mod">
+          <ac:chgData name="Noman  Atique" userId="aab35d70-e8e0-4a76-8862-eddb3a1d4775" providerId="ADAL" clId="{6CFFC419-52BB-E147-9D4F-97E7337070CC}" dt="2025-01-29T12:44:24.484" v="3" actId="27636"/>
+          <ac:spMkLst>
+            <pc:docMk/>
+            <pc:sldMk cId="1609555078" sldId="268"/>
+            <ac:spMk id="3" creationId="{3D818DBE-AF69-58DF-686D-105DF6FBBF1B}"/>
+          </ac:spMkLst>
+        </pc:spChg>
+      </pc:sldChg>
+    </pc:docChg>
+  </pc:docChgLst>
 </pc:chgInfo>
 </file>
 
@@ -667,7 +691,6 @@
               <a:rPr lang="en-US"/>
               <a:t>Click to edit Master title style</a:t>
             </a:r>
-            <a:endParaRPr lang="en-US" dirty="0"/>
           </a:p>
         </p:txBody>
       </p:sp>
@@ -732,7 +755,6 @@
               <a:rPr lang="en-US"/>
               <a:t>Click to edit Master subtitle style</a:t>
             </a:r>
-            <a:endParaRPr lang="en-US" dirty="0"/>
           </a:p>
         </p:txBody>
       </p:sp>
@@ -753,7 +775,7 @@
           <a:p>
             <a:fld id="{F28A4246-F2A7-4220-A405-8A96DAE08D6A}" type="datetimeFigureOut">
               <a:rPr lang="en-US" smtClean="0"/>
-              <a:t>10/7/24</a:t>
+              <a:t>1/29/2025</a:t>
             </a:fld>
             <a:endParaRPr lang="en-US"/>
           </a:p>
@@ -850,7 +872,6 @@
               <a:rPr lang="en-US"/>
               <a:t>Click to edit Master title style</a:t>
             </a:r>
-            <a:endParaRPr lang="en-US" dirty="0"/>
           </a:p>
         </p:txBody>
       </p:sp>
@@ -902,7 +923,6 @@
               <a:rPr lang="en-US"/>
               <a:t>Fifth level</a:t>
             </a:r>
-            <a:endParaRPr lang="en-US" dirty="0"/>
           </a:p>
         </p:txBody>
       </p:sp>
@@ -923,7 +943,7 @@
           <a:p>
             <a:fld id="{F28A4246-F2A7-4220-A405-8A96DAE08D6A}" type="datetimeFigureOut">
               <a:rPr lang="en-US" smtClean="0"/>
-              <a:t>10/7/24</a:t>
+              <a:t>1/29/2025</a:t>
             </a:fld>
             <a:endParaRPr lang="en-US"/>
           </a:p>
@@ -1025,7 +1045,6 @@
               <a:rPr lang="en-US"/>
               <a:t>Click to edit Master title style</a:t>
             </a:r>
-            <a:endParaRPr lang="en-US" dirty="0"/>
           </a:p>
         </p:txBody>
       </p:sp>
@@ -1082,7 +1101,6 @@
               <a:rPr lang="en-US"/>
               <a:t>Fifth level</a:t>
             </a:r>
-            <a:endParaRPr lang="en-US" dirty="0"/>
           </a:p>
         </p:txBody>
       </p:sp>
@@ -1103,7 +1121,7 @@
           <a:p>
             <a:fld id="{F28A4246-F2A7-4220-A405-8A96DAE08D6A}" type="datetimeFigureOut">
               <a:rPr lang="en-US" smtClean="0"/>
-              <a:t>10/7/24</a:t>
+              <a:t>1/29/2025</a:t>
             </a:fld>
             <a:endParaRPr lang="en-US"/>
           </a:p>
@@ -1200,7 +1218,6 @@
               <a:rPr lang="en-US"/>
               <a:t>Click to edit Master title style</a:t>
             </a:r>
-            <a:endParaRPr lang="en-US" dirty="0"/>
           </a:p>
         </p:txBody>
       </p:sp>
@@ -1252,7 +1269,6 @@
               <a:rPr lang="en-US"/>
               <a:t>Fifth level</a:t>
             </a:r>
-            <a:endParaRPr lang="en-US" dirty="0"/>
           </a:p>
         </p:txBody>
       </p:sp>
@@ -1273,7 +1289,7 @@
           <a:p>
             <a:fld id="{F28A4246-F2A7-4220-A405-8A96DAE08D6A}" type="datetimeFigureOut">
               <a:rPr lang="en-US" smtClean="0"/>
-              <a:t>10/7/24</a:t>
+              <a:t>1/29/2025</a:t>
             </a:fld>
             <a:endParaRPr lang="en-US"/>
           </a:p>
@@ -1379,7 +1395,6 @@
               <a:rPr lang="en-US"/>
               <a:t>Click to edit Master title style</a:t>
             </a:r>
-            <a:endParaRPr lang="en-US" dirty="0"/>
           </a:p>
         </p:txBody>
       </p:sp>
@@ -1519,7 +1534,7 @@
           <a:p>
             <a:fld id="{F28A4246-F2A7-4220-A405-8A96DAE08D6A}" type="datetimeFigureOut">
               <a:rPr lang="en-US" smtClean="0"/>
-              <a:t>10/7/24</a:t>
+              <a:t>1/29/2025</a:t>
             </a:fld>
             <a:endParaRPr lang="en-US"/>
           </a:p>
@@ -1616,7 +1631,6 @@
               <a:rPr lang="en-US"/>
               <a:t>Click to edit Master title style</a:t>
             </a:r>
-            <a:endParaRPr lang="en-US" dirty="0"/>
           </a:p>
         </p:txBody>
       </p:sp>
@@ -1673,7 +1687,6 @@
               <a:rPr lang="en-US"/>
               <a:t>Fifth level</a:t>
             </a:r>
-            <a:endParaRPr lang="en-US" dirty="0"/>
           </a:p>
         </p:txBody>
       </p:sp>
@@ -1730,7 +1743,6 @@
               <a:rPr lang="en-US"/>
               <a:t>Fifth level</a:t>
             </a:r>
-            <a:endParaRPr lang="en-US" dirty="0"/>
           </a:p>
         </p:txBody>
       </p:sp>
@@ -1751,7 +1763,7 @@
           <a:p>
             <a:fld id="{F28A4246-F2A7-4220-A405-8A96DAE08D6A}" type="datetimeFigureOut">
               <a:rPr lang="en-US" smtClean="0"/>
-              <a:t>10/7/24</a:t>
+              <a:t>1/29/2025</a:t>
             </a:fld>
             <a:endParaRPr lang="en-US"/>
           </a:p>
@@ -1853,7 +1865,6 @@
               <a:rPr lang="en-US"/>
               <a:t>Click to edit Master title style</a:t>
             </a:r>
-            <a:endParaRPr lang="en-US" dirty="0"/>
           </a:p>
         </p:txBody>
       </p:sp>
@@ -1975,7 +1986,6 @@
               <a:rPr lang="en-US"/>
               <a:t>Fifth level</a:t>
             </a:r>
-            <a:endParaRPr lang="en-US" dirty="0"/>
           </a:p>
         </p:txBody>
       </p:sp>
@@ -2097,7 +2107,6 @@
               <a:rPr lang="en-US"/>
               <a:t>Fifth level</a:t>
             </a:r>
-            <a:endParaRPr lang="en-US" dirty="0"/>
           </a:p>
         </p:txBody>
       </p:sp>
@@ -2118,7 +2127,7 @@
           <a:p>
             <a:fld id="{F28A4246-F2A7-4220-A405-8A96DAE08D6A}" type="datetimeFigureOut">
               <a:rPr lang="en-US" smtClean="0"/>
-              <a:t>10/7/24</a:t>
+              <a:t>1/29/2025</a:t>
             </a:fld>
             <a:endParaRPr lang="en-US"/>
           </a:p>
@@ -2215,7 +2224,6 @@
               <a:rPr lang="en-US"/>
               <a:t>Click to edit Master title style</a:t>
             </a:r>
-            <a:endParaRPr lang="en-US" dirty="0"/>
           </a:p>
         </p:txBody>
       </p:sp>
@@ -2236,7 +2244,7 @@
           <a:p>
             <a:fld id="{F28A4246-F2A7-4220-A405-8A96DAE08D6A}" type="datetimeFigureOut">
               <a:rPr lang="en-US" smtClean="0"/>
-              <a:t>10/7/24</a:t>
+              <a:t>1/29/2025</a:t>
             </a:fld>
             <a:endParaRPr lang="en-US"/>
           </a:p>
@@ -2331,7 +2339,7 @@
           <a:p>
             <a:fld id="{F28A4246-F2A7-4220-A405-8A96DAE08D6A}" type="datetimeFigureOut">
               <a:rPr lang="en-US" smtClean="0"/>
-              <a:t>10/7/24</a:t>
+              <a:t>1/29/2025</a:t>
             </a:fld>
             <a:endParaRPr lang="en-US"/>
           </a:p>
@@ -2437,7 +2445,6 @@
               <a:rPr lang="en-US"/>
               <a:t>Click to edit Master title style</a:t>
             </a:r>
-            <a:endParaRPr lang="en-US" dirty="0"/>
           </a:p>
         </p:txBody>
       </p:sp>
@@ -2522,7 +2529,6 @@
               <a:rPr lang="en-US"/>
               <a:t>Fifth level</a:t>
             </a:r>
-            <a:endParaRPr lang="en-US" dirty="0"/>
           </a:p>
         </p:txBody>
       </p:sp>
@@ -2608,7 +2614,7 @@
           <a:p>
             <a:fld id="{F28A4246-F2A7-4220-A405-8A96DAE08D6A}" type="datetimeFigureOut">
               <a:rPr lang="en-US" smtClean="0"/>
-              <a:t>10/7/24</a:t>
+              <a:t>1/29/2025</a:t>
             </a:fld>
             <a:endParaRPr lang="en-US"/>
           </a:p>
@@ -2714,7 +2720,6 @@
               <a:rPr lang="en-US"/>
               <a:t>Click to edit Master title style</a:t>
             </a:r>
-            <a:endParaRPr lang="en-US" dirty="0"/>
           </a:p>
         </p:txBody>
       </p:sp>
@@ -2779,7 +2784,6 @@
               <a:rPr lang="en-US"/>
               <a:t>Click icon to add picture</a:t>
             </a:r>
-            <a:endParaRPr lang="en-US" dirty="0"/>
           </a:p>
         </p:txBody>
       </p:sp>
@@ -2865,7 +2869,7 @@
           <a:p>
             <a:fld id="{F28A4246-F2A7-4220-A405-8A96DAE08D6A}" type="datetimeFigureOut">
               <a:rPr lang="en-US" smtClean="0"/>
-              <a:t>10/7/24</a:t>
+              <a:t>1/29/2025</a:t>
             </a:fld>
             <a:endParaRPr lang="en-US"/>
           </a:p>
@@ -2977,7 +2981,6 @@
               <a:rPr lang="en-US"/>
               <a:t>Click to edit Master title style</a:t>
             </a:r>
-            <a:endParaRPr lang="en-US" dirty="0"/>
           </a:p>
         </p:txBody>
       </p:sp>
@@ -3039,7 +3042,6 @@
               <a:rPr lang="en-US"/>
               <a:t>Fifth level</a:t>
             </a:r>
-            <a:endParaRPr lang="en-US" dirty="0"/>
           </a:p>
         </p:txBody>
       </p:sp>
@@ -3078,7 +3080,7 @@
           <a:p>
             <a:fld id="{F28A4246-F2A7-4220-A405-8A96DAE08D6A}" type="datetimeFigureOut">
               <a:rPr lang="en-US" smtClean="0"/>
-              <a:t>10/7/24</a:t>
+              <a:t>1/29/2025</a:t>
             </a:fld>
             <a:endParaRPr lang="en-US"/>
           </a:p>
@@ -3510,7 +3512,7 @@
           <a:lstStyle/>
           <a:p>
             <a:r>
-              <a:rPr lang="en-US" dirty="0"/>
+              <a:rPr lang="en-US"/>
               <a:t>Week 5 </a:t>
             </a:r>
           </a:p>
@@ -3538,13 +3540,13 @@
           <a:lstStyle/>
           <a:p>
             <a:r>
-              <a:rPr lang="en-US" dirty="0"/>
+              <a:rPr lang="en-US"/>
               <a:t>Front-end Development</a:t>
             </a:r>
           </a:p>
           <a:p>
             <a:r>
-              <a:rPr lang="en-US" dirty="0"/>
+              <a:rPr lang="en-US"/>
               <a:t>DOM Programming</a:t>
             </a:r>
           </a:p>
@@ -3602,7 +3604,7 @@
           <a:lstStyle/>
           <a:p>
             <a:r>
-              <a:rPr lang="en-US" dirty="0"/>
+              <a:rPr lang="en-US"/>
               <a:t>Programming the DOM</a:t>
             </a:r>
           </a:p>
@@ -3633,7 +3635,7 @@
               <a:buAutoNum type="arabicPeriod"/>
             </a:pPr>
             <a:r>
-              <a:rPr lang="en-US" dirty="0"/>
+              <a:rPr lang="en-US"/>
               <a:t>Finding and getting references to elements in the page</a:t>
             </a:r>
           </a:p>
@@ -3642,15 +3644,15 @@
               <a:buNone/>
             </a:pPr>
             <a:r>
-              <a:rPr lang="en-US" dirty="0"/>
+              <a:rPr lang="en-US"/>
               <a:t>	  a) </a:t>
             </a:r>
             <a:r>
-              <a:rPr lang="en-US" dirty="0" err="1"/>
+              <a:rPr lang="en-US" err="1"/>
               <a:t>document.getElementById</a:t>
             </a:r>
             <a:r>
-              <a:rPr lang="en-US" dirty="0"/>
+              <a:rPr lang="en-US"/>
               <a:t>(id)</a:t>
             </a:r>
           </a:p>
@@ -3659,15 +3661,15 @@
               <a:buNone/>
             </a:pPr>
             <a:r>
-              <a:rPr lang="en-US" dirty="0"/>
+              <a:rPr lang="en-US"/>
               <a:t>          b) </a:t>
             </a:r>
             <a:r>
-              <a:rPr lang="en-US" dirty="0" err="1"/>
+              <a:rPr lang="en-US" err="1"/>
               <a:t>document.querySelector</a:t>
             </a:r>
             <a:r>
-              <a:rPr lang="en-US" dirty="0"/>
+              <a:rPr lang="en-US"/>
               <a:t>(selector)</a:t>
             </a:r>
           </a:p>
@@ -3676,15 +3678,15 @@
               <a:buNone/>
             </a:pPr>
             <a:r>
-              <a:rPr lang="en-US" dirty="0"/>
+              <a:rPr lang="en-US"/>
               <a:t>          c) </a:t>
             </a:r>
             <a:r>
-              <a:rPr lang="en-US" dirty="0" err="1"/>
+              <a:rPr lang="en-US" err="1"/>
               <a:t>document.querySelectorAll</a:t>
             </a:r>
             <a:r>
-              <a:rPr lang="en-US" dirty="0"/>
+              <a:rPr lang="en-US"/>
               <a:t>(selector)</a:t>
             </a:r>
           </a:p>
@@ -3692,22 +3694,22 @@
             <a:pPr marL="457200" lvl="1" indent="0">
               <a:buNone/>
             </a:pPr>
-            <a:endParaRPr lang="en-US" dirty="0"/>
+            <a:endParaRPr lang="en-US"/>
           </a:p>
           <a:p>
             <a:pPr marL="457200" lvl="1" indent="0">
               <a:buNone/>
             </a:pPr>
             <a:r>
-              <a:rPr lang="en-US" dirty="0"/>
+              <a:rPr lang="en-US"/>
               <a:t> selector: </a:t>
             </a:r>
             <a:r>
-              <a:rPr lang="en-US" dirty="0" err="1"/>
+              <a:rPr lang="en-US" err="1"/>
               <a:t>i</a:t>
             </a:r>
             <a:r>
-              <a:rPr lang="en-US" dirty="0"/>
+              <a:rPr lang="en-US"/>
               <a:t>) "tag name" </a:t>
             </a:r>
           </a:p>
@@ -3716,7 +3718,7 @@
               <a:buNone/>
             </a:pPr>
             <a:r>
-              <a:rPr lang="en-US" dirty="0"/>
+              <a:rPr lang="en-US"/>
               <a:t>                    ii) Id selectors (#)</a:t>
             </a:r>
           </a:p>
@@ -3725,7 +3727,7 @@
               <a:buNone/>
             </a:pPr>
             <a:r>
-              <a:rPr lang="en-US" dirty="0"/>
+              <a:rPr lang="en-US"/>
               <a:t>                    iii) class selectors(.)</a:t>
             </a:r>
           </a:p>
@@ -3786,7 +3788,7 @@
               <a:buNone/>
             </a:pPr>
             <a:r>
-              <a:rPr lang="en-US" dirty="0"/>
+              <a:rPr lang="en-US"/>
               <a:t> 2. Creating elements and Modifying the DOM with JavaScript</a:t>
             </a:r>
           </a:p>
@@ -3795,11 +3797,11 @@
               <a:buNone/>
             </a:pPr>
             <a:r>
-              <a:rPr lang="en-US" dirty="0"/>
+              <a:rPr lang="en-US"/>
               <a:t>	</a:t>
             </a:r>
             <a:r>
-              <a:rPr lang="en-US" dirty="0" err="1">
+              <a:rPr lang="en-US" err="1">
                 <a:solidFill>
                   <a:srgbClr val="FFFF00"/>
                 </a:solidFill>
@@ -3807,7 +3809,7 @@
               <a:t>document.createElement</a:t>
             </a:r>
             <a:r>
-              <a:rPr lang="en-US" dirty="0">
+              <a:rPr lang="en-US">
                 <a:solidFill>
                   <a:srgbClr val="FFFF00"/>
                 </a:solidFill>
@@ -3815,7 +3817,7 @@
               <a:t>(name): </a:t>
             </a:r>
             <a:r>
-              <a:rPr lang="en-US" dirty="0"/>
+              <a:rPr lang="en-US"/>
               <a:t>creates a new element of 	type specified by the name.</a:t>
             </a:r>
           </a:p>
@@ -3823,18 +3825,18 @@
             <a:pPr marL="0" indent="0">
               <a:buNone/>
             </a:pPr>
-            <a:endParaRPr lang="en-US" dirty="0"/>
+            <a:endParaRPr lang="en-US"/>
           </a:p>
           <a:p>
             <a:pPr marL="0" indent="0">
               <a:buNone/>
             </a:pPr>
             <a:r>
-              <a:rPr lang="en-US" dirty="0"/>
+              <a:rPr lang="en-US"/>
               <a:t>            </a:t>
             </a:r>
             <a:r>
-              <a:rPr lang="en-US" dirty="0" err="1">
+              <a:rPr lang="en-US" err="1">
                 <a:solidFill>
                   <a:srgbClr val="FFFF00"/>
                 </a:solidFill>
@@ -3842,7 +3844,7 @@
               <a:t>document.createTextNode</a:t>
             </a:r>
             <a:r>
-              <a:rPr lang="en-US" dirty="0">
+              <a:rPr lang="en-US">
                 <a:solidFill>
                   <a:srgbClr val="FFFF00"/>
                 </a:solidFill>
@@ -3850,7 +3852,7 @@
               <a:t>(text): </a:t>
             </a:r>
             <a:r>
-              <a:rPr lang="en-US" dirty="0"/>
+              <a:rPr lang="en-US"/>
               <a:t>creates a new text node(the 	text withing an elements vs the element itself)</a:t>
             </a:r>
           </a:p>
@@ -3858,18 +3860,18 @@
             <a:pPr marL="0" indent="0">
               <a:buNone/>
             </a:pPr>
-            <a:endParaRPr lang="en-US" dirty="0"/>
+            <a:endParaRPr lang="en-US"/>
           </a:p>
           <a:p>
             <a:pPr marL="0" indent="0">
               <a:buNone/>
             </a:pPr>
             <a:r>
-              <a:rPr lang="en-US" dirty="0"/>
+              <a:rPr lang="en-US"/>
               <a:t>            </a:t>
             </a:r>
             <a:r>
-              <a:rPr lang="en-US" dirty="0" err="1">
+              <a:rPr lang="en-US" err="1">
                 <a:solidFill>
                   <a:srgbClr val="FFFF00"/>
                 </a:solidFill>
@@ -3877,7 +3879,7 @@
               <a:t>appendChild</a:t>
             </a:r>
             <a:r>
-              <a:rPr lang="en-US" dirty="0">
+              <a:rPr lang="en-US">
                 <a:solidFill>
                   <a:srgbClr val="FFFF00"/>
                 </a:solidFill>
@@ -3889,7 +3891,7 @@
             <a:pPr marL="0" indent="0">
               <a:buNone/>
             </a:pPr>
-            <a:endParaRPr lang="en-US" dirty="0"/>
+            <a:endParaRPr lang="en-US"/>
           </a:p>
         </p:txBody>
       </p:sp>
@@ -3950,7 +3952,7 @@
               <a:buNone/>
             </a:pPr>
             <a:r>
-              <a:rPr lang="en-US" dirty="0"/>
+              <a:rPr lang="en-US"/>
               <a:t>3. Inspecting and modifying a DOM element with JavaScript</a:t>
             </a:r>
           </a:p>
@@ -3959,7 +3961,7 @@
               <a:buNone/>
             </a:pPr>
             <a:r>
-              <a:rPr lang="en-US" dirty="0"/>
+              <a:rPr lang="en-US"/>
               <a:t>    Properties:</a:t>
             </a:r>
           </a:p>
@@ -3973,18 +3975,10 @@
                   <a:srgbClr val="FFFF00"/>
                 </a:solidFill>
               </a:rPr>
-              <a:t>            	element</a:t>
-            </a:r>
-            <a:r>
-              <a:rPr lang="en-US" dirty="0">
-                <a:solidFill>
-                  <a:srgbClr val="FFFF00"/>
-                </a:solidFill>
-              </a:rPr>
-              <a:t>.id </a:t>
-            </a:r>
-            <a:r>
-              <a:rPr lang="en-US" dirty="0"/>
+              <a:t>            	element.id </a:t>
+            </a:r>
+            <a:r>
+              <a:rPr lang="en-US"/>
               <a:t>- </a:t>
             </a:r>
           </a:p>
@@ -3993,7 +3987,7 @@
               <a:buNone/>
             </a:pPr>
             <a:r>
-              <a:rPr lang="en-US" dirty="0">
+              <a:rPr lang="en-US">
                 <a:solidFill>
                   <a:srgbClr val="FFFF00"/>
                 </a:solidFill>
@@ -4001,7 +3995,7 @@
               <a:t>            	</a:t>
             </a:r>
             <a:r>
-              <a:rPr lang="en-US" dirty="0" err="1">
+              <a:rPr lang="en-US" err="1">
                 <a:solidFill>
                   <a:srgbClr val="FFFF00"/>
                 </a:solidFill>
@@ -4009,7 +4003,7 @@
               <a:t>element.innerHTML</a:t>
             </a:r>
             <a:r>
-              <a:rPr lang="en-US" dirty="0">
+              <a:rPr lang="en-US">
                 <a:solidFill>
                   <a:srgbClr val="FFFF00"/>
                 </a:solidFill>
@@ -4017,11 +4011,11 @@
               <a:t> </a:t>
             </a:r>
             <a:r>
-              <a:rPr lang="en-US" dirty="0"/>
+              <a:rPr lang="en-US"/>
               <a:t>- gets or sets the markup contained within the     	</a:t>
             </a:r>
             <a:r>
-              <a:rPr lang="en-US" dirty="0" err="1">
+              <a:rPr lang="en-US" err="1">
                 <a:solidFill>
                   <a:srgbClr val="FFFF00"/>
                 </a:solidFill>
@@ -4029,7 +4023,7 @@
               <a:t>element.innerText</a:t>
             </a:r>
             <a:r>
-              <a:rPr lang="en-US" dirty="0">
+              <a:rPr lang="en-US">
                 <a:solidFill>
                   <a:srgbClr val="FFFF00"/>
                 </a:solidFill>
@@ -4037,7 +4031,7 @@
               <a:t> </a:t>
             </a:r>
             <a:r>
-              <a:rPr lang="en-US" dirty="0"/>
+              <a:rPr lang="en-US"/>
               <a:t>- gets or sets the text withing the element</a:t>
             </a:r>
           </a:p>
@@ -4046,23 +4040,23 @@
               <a:buNone/>
             </a:pPr>
             <a:r>
-              <a:rPr lang="en-US" dirty="0"/>
+              <a:rPr lang="en-US"/>
               <a:t>            </a:t>
             </a:r>
             <a:r>
-              <a:rPr lang="en-US" dirty="0" err="1"/>
+              <a:rPr lang="en-US" err="1"/>
               <a:t>element.parentNode</a:t>
             </a:r>
             <a:r>
-              <a:rPr lang="en-US" dirty="0"/>
+              <a:rPr lang="en-US"/>
               <a:t> - gets a reference to the parent node of this 	</a:t>
             </a:r>
             <a:r>
-              <a:rPr lang="en-US" dirty="0" err="1"/>
+              <a:rPr lang="en-US" err="1"/>
               <a:t>element.nextSibling</a:t>
             </a:r>
             <a:r>
-              <a:rPr lang="en-US" dirty="0"/>
+              <a:rPr lang="en-US"/>
               <a:t> - gets a reference the sibling element of this 	element, if any..</a:t>
             </a:r>
           </a:p>
@@ -4071,15 +4065,15 @@
               <a:buNone/>
             </a:pPr>
             <a:r>
-              <a:rPr lang="en-US" dirty="0"/>
+              <a:rPr lang="en-US"/>
               <a:t>            </a:t>
             </a:r>
             <a:r>
-              <a:rPr lang="en-US" dirty="0" err="1"/>
+              <a:rPr lang="en-US" err="1"/>
               <a:t>element.className</a:t>
             </a:r>
             <a:r>
-              <a:rPr lang="en-US" dirty="0"/>
+              <a:rPr lang="en-US"/>
               <a:t> - gets or sets the value of class attribute</a:t>
             </a:r>
           </a:p>
@@ -4087,14 +4081,14 @@
             <a:pPr marL="0" indent="0">
               <a:buNone/>
             </a:pPr>
-            <a:endParaRPr lang="en-US" dirty="0"/>
+            <a:endParaRPr lang="en-US"/>
           </a:p>
           <a:p>
             <a:pPr marL="0" indent="0">
               <a:buNone/>
             </a:pPr>
             <a:r>
-              <a:rPr lang="en-US" dirty="0"/>
+              <a:rPr lang="en-US"/>
               <a:t>           </a:t>
             </a:r>
           </a:p>
@@ -4173,15 +4167,17 @@
         </p:nvSpPr>
         <p:spPr/>
         <p:txBody>
-          <a:bodyPr/>
+          <a:bodyPr>
+            <a:normAutofit lnSpcReduction="10000"/>
+          </a:bodyPr>
           <a:lstStyle/>
           <a:p>
             <a:pPr marL="0" indent="0">
               <a:buNone/>
             </a:pPr>
             <a:r>
-              <a:rPr lang="en-US" dirty="0"/>
-              <a:t>4. Events: DOM heavily replies on a concept know as "event-driven programming"</a:t>
+              <a:rPr lang="en-US"/>
+              <a:t>4. Events: DOM heavily relies on a concept know as "event-driven programming"</a:t>
             </a:r>
           </a:p>
           <a:p>
@@ -4189,15 +4185,33 @@
               <a:buNone/>
             </a:pPr>
             <a:r>
-              <a:rPr lang="en-US" dirty="0"/>
-              <a:t>            The examples of events might: user actions(clicking a button, move the mouse over , pressing a key, changing tab) or browser/code initiated actions(</a:t>
-            </a:r>
-            <a:r>
-              <a:rPr lang="en-US" dirty="0" err="1"/>
+              <a:rPr lang="en-US"/>
+              <a:t>            The examples of events might: </a:t>
+            </a:r>
+          </a:p>
+          <a:p>
+            <a:pPr marL="0" indent="0">
+              <a:buNone/>
+            </a:pPr>
+            <a:r>
+              <a:rPr lang="en-US"/>
+              <a:t>user actions(clicking a button, move the mouse over , pressing a key, changing tab) </a:t>
+            </a:r>
+          </a:p>
+          <a:p>
+            <a:pPr marL="0" indent="0">
+              <a:buNone/>
+            </a:pPr>
+            <a:r>
+              <a:rPr lang="en-US"/>
+              <a:t>or browser/code initiated actions(</a:t>
+            </a:r>
+            <a:r>
+              <a:rPr lang="en-US" err="1"/>
               <a:t>timers,messages</a:t>
             </a:r>
             <a:r>
-              <a:rPr lang="en-US" dirty="0"/>
+              <a:rPr lang="en-US"/>
               <a:t> from background, reports from sensors)</a:t>
             </a:r>
           </a:p>
@@ -4205,14 +4219,14 @@
             <a:pPr marL="0" indent="0">
               <a:buNone/>
             </a:pPr>
-            <a:endParaRPr lang="en-US" dirty="0"/>
+            <a:endParaRPr lang="en-US"/>
           </a:p>
           <a:p>
             <a:pPr marL="0" indent="0">
               <a:buNone/>
             </a:pPr>
             <a:r>
-              <a:rPr lang="en-US" dirty="0"/>
+              <a:rPr lang="en-US"/>
               <a:t>        the functions that run on any triggered event are called "event handlers"</a:t>
             </a:r>
           </a:p>
@@ -4269,7 +4283,7 @@
           <a:bodyPr/>
           <a:lstStyle/>
           <a:p>
-            <a:endParaRPr lang="en-US" dirty="0"/>
+            <a:endParaRPr lang="en-US"/>
           </a:p>
         </p:txBody>
       </p:sp>
@@ -4298,7 +4312,7 @@
               <a:buNone/>
             </a:pPr>
             <a:r>
-              <a:rPr lang="en-US" dirty="0"/>
+              <a:rPr lang="en-US"/>
               <a:t> We register a DOM event in one of the two ways:</a:t>
             </a:r>
           </a:p>
@@ -4307,15 +4321,15 @@
               <a:buNone/>
             </a:pPr>
             <a:r>
-              <a:rPr lang="en-US" dirty="0"/>
+              <a:rPr lang="en-US"/>
               <a:t>         1. </a:t>
             </a:r>
             <a:r>
-              <a:rPr lang="en-US" dirty="0" err="1"/>
+              <a:rPr lang="en-US" err="1"/>
               <a:t>element.onevent</a:t>
             </a:r>
             <a:r>
-              <a:rPr lang="en-US" dirty="0"/>
+              <a:rPr lang="en-US"/>
               <a:t> = function()={ }</a:t>
             </a:r>
           </a:p>
@@ -4324,23 +4338,23 @@
               <a:buNone/>
             </a:pPr>
             <a:r>
-              <a:rPr lang="en-US" dirty="0"/>
+              <a:rPr lang="en-US"/>
               <a:t>         2. </a:t>
             </a:r>
             <a:r>
-              <a:rPr lang="en-US" dirty="0" err="1"/>
+              <a:rPr lang="en-US" err="1"/>
               <a:t>element.addEventListener</a:t>
             </a:r>
             <a:r>
-              <a:rPr lang="en-US" dirty="0"/>
+              <a:rPr lang="en-US"/>
               <a:t>("event", function(){... }) &amp; 	</a:t>
             </a:r>
             <a:r>
-              <a:rPr lang="en-US" dirty="0" err="1"/>
+              <a:rPr lang="en-US" err="1"/>
               <a:t>element.removeEventListener</a:t>
             </a:r>
             <a:r>
-              <a:rPr lang="en-US" dirty="0"/>
+              <a:rPr lang="en-US"/>
               <a:t>('event', function(){ ....})</a:t>
             </a:r>
           </a:p>
@@ -4348,7 +4362,7 @@
             <a:pPr marL="0" indent="0">
               <a:buNone/>
             </a:pPr>
-            <a:endParaRPr lang="en-US" dirty="0"/>
+            <a:endParaRPr lang="en-US"/>
           </a:p>
         </p:txBody>
       </p:sp>
@@ -4404,7 +4418,7 @@
           <a:lstStyle/>
           <a:p>
             <a:r>
-              <a:rPr lang="en-US" dirty="0"/>
+              <a:rPr lang="en-US"/>
               <a:t>Common Events:</a:t>
             </a:r>
           </a:p>
@@ -4432,54 +4446,49 @@
           <a:lstStyle/>
           <a:p>
             <a:r>
-              <a:rPr lang="en-US" dirty="0"/>
+              <a:rPr lang="en-US"/>
               <a:t> load - fired when a resource has finished loading...(</a:t>
             </a:r>
             <a:r>
-              <a:rPr lang="en-US" dirty="0" err="1"/>
+              <a:rPr lang="en-US" err="1"/>
               <a:t>img</a:t>
             </a:r>
             <a:r>
-              <a:rPr lang="en-US" dirty="0"/>
+              <a:rPr lang="en-US"/>
               <a:t>)</a:t>
             </a:r>
           </a:p>
           <a:p>
             <a:r>
-              <a:rPr lang="en-US" dirty="0"/>
+              <a:rPr lang="en-US"/>
               <a:t> click - when user single clicks on an element</a:t>
             </a:r>
           </a:p>
           <a:p>
             <a:r>
-              <a:rPr lang="en-US" dirty="0"/>
+              <a:rPr lang="en-US"/>
               <a:t>  </a:t>
             </a:r>
             <a:r>
-              <a:rPr lang="en-US" dirty="0" err="1"/>
+              <a:rPr lang="en-US" err="1"/>
               <a:t>dblclick</a:t>
             </a:r>
             <a:r>
-              <a:rPr lang="en-US" dirty="0"/>
+              <a:rPr lang="en-US"/>
               <a:t> - when use double clicks on an element</a:t>
             </a:r>
           </a:p>
           <a:p>
             <a:r>
-              <a:rPr lang="en-US" dirty="0"/>
+              <a:rPr lang="en-US"/>
               <a:t> keypress - when a key is pressed</a:t>
             </a:r>
           </a:p>
           <a:p>
             <a:r>
-              <a:rPr lang="en-US" dirty="0"/>
-              <a:t> mouseover - when the user moves the mouse over the top of </a:t>
-            </a:r>
-            <a:r>
-              <a:rPr lang="en-US"/>
-              <a:t>the element.</a:t>
-            </a:r>
-            <a:endParaRPr lang="en-US" dirty="0"/>
+              <a:rPr lang="en-US"/>
+              <a:t> mouseover - when the user moves the mouse over the top of the element.</a:t>
+            </a:r>
           </a:p>
         </p:txBody>
       </p:sp>
@@ -4535,7 +4544,7 @@
           <a:lstStyle/>
           <a:p>
             <a:r>
-              <a:rPr lang="en-US" dirty="0"/>
+              <a:rPr lang="en-US"/>
               <a:t>Agenda!</a:t>
             </a:r>
           </a:p>
@@ -4570,83 +4579,83 @@
           <a:lstStyle/>
           <a:p>
             <a:r>
-              <a:rPr lang="en-US" dirty="0"/>
+              <a:rPr lang="en-US"/>
               <a:t>From HTML to the DOM</a:t>
             </a:r>
           </a:p>
           <a:p>
             <a:r>
-              <a:rPr lang="en-US" dirty="0"/>
+              <a:rPr lang="en-US"/>
               <a:t>Introduction to DOM</a:t>
             </a:r>
           </a:p>
           <a:p>
             <a:r>
-              <a:rPr lang="en-US" dirty="0"/>
+              <a:rPr lang="en-US"/>
               <a:t>Nodes &amp; types</a:t>
             </a:r>
           </a:p>
           <a:p>
             <a:r>
-              <a:rPr lang="en-US" dirty="0"/>
+              <a:rPr lang="en-US"/>
               <a:t>Programming the DOM</a:t>
             </a:r>
           </a:p>
           <a:p>
             <a:pPr lvl="1"/>
             <a:r>
-              <a:rPr lang="en-US" dirty="0"/>
+              <a:rPr lang="en-US"/>
               <a:t>Finding and getting references</a:t>
             </a:r>
           </a:p>
           <a:p>
             <a:pPr lvl="1"/>
             <a:r>
-              <a:rPr lang="en-US" dirty="0"/>
+              <a:rPr lang="en-US"/>
               <a:t>Creating and modifying elements</a:t>
             </a:r>
           </a:p>
           <a:p>
             <a:pPr lvl="1"/>
             <a:r>
-              <a:rPr lang="en-US" dirty="0"/>
+              <a:rPr lang="en-US"/>
               <a:t>Inspecting and modifying a DOM element</a:t>
             </a:r>
           </a:p>
           <a:p>
             <a:pPr lvl="1"/>
             <a:r>
-              <a:rPr lang="en-US" dirty="0"/>
+              <a:rPr lang="en-US"/>
               <a:t>Events – Most imp.</a:t>
             </a:r>
           </a:p>
           <a:p>
             <a:r>
-              <a:rPr lang="en-US" dirty="0"/>
+              <a:rPr lang="en-US"/>
               <a:t>Some demo code!</a:t>
             </a:r>
           </a:p>
           <a:p>
             <a:r>
-              <a:rPr lang="en-US" dirty="0"/>
+              <a:rPr lang="en-US"/>
               <a:t>Timers</a:t>
             </a:r>
           </a:p>
           <a:p>
             <a:r>
-              <a:rPr lang="en-US" dirty="0"/>
+              <a:rPr lang="en-US"/>
               <a:t>A complete project – Talking of JS and HTML, CSS! </a:t>
             </a:r>
             <a:r>
-              <a:rPr lang="en-US" dirty="0">
+              <a:rPr lang="en-US">
                 <a:sym typeface="Wingdings" panose="05000000000000000000" pitchFamily="2" charset="2"/>
               </a:rPr>
               <a:t></a:t>
             </a:r>
-            <a:endParaRPr lang="en-US" dirty="0"/>
-          </a:p>
-          <a:p>
-            <a:endParaRPr lang="en-US" dirty="0"/>
+            <a:endParaRPr lang="en-US"/>
+          </a:p>
+          <a:p>
+            <a:endParaRPr lang="en-US"/>
           </a:p>
         </p:txBody>
       </p:sp>
@@ -4702,7 +4711,7 @@
           <a:lstStyle/>
           <a:p>
             <a:r>
-              <a:rPr lang="en-US" dirty="0"/>
+              <a:rPr lang="en-US"/>
               <a:t>From HTML to the DOM</a:t>
             </a:r>
           </a:p>
@@ -4735,11 +4744,11 @@
               <a:buNone/>
             </a:pPr>
             <a:r>
-              <a:rPr lang="en-US" dirty="0"/>
+              <a:rPr lang="en-US"/>
               <a:t>Let’s make </a:t>
             </a:r>
             <a:r>
-              <a:rPr lang="en-US" dirty="0">
+              <a:rPr lang="en-US">
                 <a:solidFill>
                   <a:srgbClr val="FFFF00"/>
                 </a:solidFill>
@@ -4747,7 +4756,7 @@
               <a:t>HTML,CSS and JavaScript </a:t>
             </a:r>
             <a:r>
-              <a:rPr lang="en-US" dirty="0"/>
+              <a:rPr lang="en-US"/>
               <a:t>talk to each other!</a:t>
             </a:r>
           </a:p>
@@ -4755,14 +4764,14 @@
             <a:pPr marL="0" indent="0">
               <a:buNone/>
             </a:pPr>
-            <a:endParaRPr lang="en-US" dirty="0"/>
+            <a:endParaRPr lang="en-US"/>
           </a:p>
           <a:p>
             <a:pPr marL="0" indent="0">
               <a:buNone/>
             </a:pPr>
             <a:r>
-              <a:rPr lang="en-US" dirty="0"/>
+              <a:rPr lang="en-US"/>
               <a:t>Up until now, we have learned them separately.</a:t>
             </a:r>
           </a:p>
@@ -4770,14 +4779,14 @@
             <a:pPr marL="0" indent="0">
               <a:buNone/>
             </a:pPr>
-            <a:endParaRPr lang="en-US" dirty="0"/>
+            <a:endParaRPr lang="en-US"/>
           </a:p>
           <a:p>
             <a:pPr marL="0" indent="0">
               <a:buNone/>
             </a:pPr>
             <a:r>
-              <a:rPr lang="en-US" dirty="0"/>
+              <a:rPr lang="en-US"/>
               <a:t>How can they communicate with each other?</a:t>
             </a:r>
           </a:p>
@@ -4785,14 +4794,14 @@
             <a:pPr marL="0" indent="0">
               <a:buNone/>
             </a:pPr>
-            <a:endParaRPr lang="en-US" dirty="0"/>
+            <a:endParaRPr lang="en-US"/>
           </a:p>
           <a:p>
             <a:pPr marL="0" indent="0">
               <a:buNone/>
             </a:pPr>
             <a:r>
-              <a:rPr lang="en-US" dirty="0"/>
+              <a:rPr lang="en-US"/>
               <a:t>DOM is an API – Just for information!</a:t>
             </a:r>
           </a:p>
@@ -4800,14 +4809,14 @@
             <a:pPr marL="0" indent="0">
               <a:buNone/>
             </a:pPr>
-            <a:endParaRPr lang="en-US" dirty="0"/>
+            <a:endParaRPr lang="en-US"/>
           </a:p>
           <a:p>
             <a:pPr marL="0" indent="0">
               <a:buNone/>
             </a:pPr>
             <a:r>
-              <a:rPr lang="en-US" dirty="0"/>
+              <a:rPr lang="en-US"/>
               <a:t>API – Application programming interface – Website talking to website</a:t>
             </a:r>
           </a:p>
@@ -4815,7 +4824,7 @@
             <a:pPr marL="0" indent="0">
               <a:buNone/>
             </a:pPr>
-            <a:endParaRPr lang="en-US" dirty="0"/>
+            <a:endParaRPr lang="en-US"/>
           </a:p>
         </p:txBody>
       </p:sp>
@@ -4871,7 +4880,7 @@
           <a:lstStyle/>
           <a:p>
             <a:r>
-              <a:rPr lang="en-US" dirty="0">
+              <a:rPr lang="en-US">
                 <a:solidFill>
                   <a:srgbClr val="FFFF00"/>
                 </a:solidFill>
@@ -4903,16 +4912,16 @@
           <a:lstStyle/>
           <a:p>
             <a:r>
-              <a:rPr lang="en-US" dirty="0"/>
+              <a:rPr lang="en-US"/>
               <a:t>It allows us to treat HTML document as a tree with upside down root</a:t>
             </a:r>
           </a:p>
           <a:p>
-            <a:endParaRPr lang="en-US" dirty="0"/>
-          </a:p>
-          <a:p>
-            <a:r>
-              <a:rPr lang="en-US" dirty="0"/>
+            <a:endParaRPr lang="en-US"/>
+          </a:p>
+          <a:p>
+            <a:r>
+              <a:rPr lang="en-US"/>
               <a:t>By using this tree, we can do a lot of wonderful things with HTML and CSS and JavaScript!</a:t>
             </a:r>
           </a:p>
@@ -4920,11 +4929,11 @@
             <a:pPr marL="0" indent="0">
               <a:buNone/>
             </a:pPr>
-            <a:endParaRPr lang="en-US" dirty="0"/>
-          </a:p>
-          <a:p>
-            <a:r>
-              <a:rPr lang="en-US" dirty="0"/>
+            <a:endParaRPr lang="en-US"/>
+          </a:p>
+          <a:p>
+            <a:r>
+              <a:rPr lang="en-US"/>
               <a:t>Let’s see a DOM Tree:</a:t>
             </a:r>
           </a:p>
@@ -4992,7 +5001,7 @@
               <a:buNone/>
             </a:pPr>
             <a:r>
-              <a:rPr lang="en-US" dirty="0"/>
+              <a:rPr lang="en-US"/>
               <a:t>&lt;!DOCTYPE html&gt;</a:t>
             </a:r>
           </a:p>
@@ -5001,7 +5010,7 @@
               <a:buNone/>
             </a:pPr>
             <a:r>
-              <a:rPr lang="en-US" dirty="0"/>
+              <a:rPr lang="en-US"/>
               <a:t>&lt;html&gt;</a:t>
             </a:r>
           </a:p>
@@ -5010,7 +5019,7 @@
               <a:buNone/>
             </a:pPr>
             <a:r>
-              <a:rPr lang="en-US" dirty="0"/>
+              <a:rPr lang="en-US"/>
               <a:t>    &lt;head&gt;</a:t>
             </a:r>
           </a:p>
@@ -5019,7 +5028,7 @@
               <a:buNone/>
             </a:pPr>
             <a:r>
-              <a:rPr lang="en-US" dirty="0"/>
+              <a:rPr lang="en-US"/>
               <a:t>        &lt;title&gt;This is a Document!&lt;/title&gt;</a:t>
             </a:r>
           </a:p>
@@ -5028,7 +5037,7 @@
               <a:buNone/>
             </a:pPr>
             <a:r>
-              <a:rPr lang="en-US" dirty="0"/>
+              <a:rPr lang="en-US"/>
               <a:t>        &lt;meta charset="utf-8"&gt;</a:t>
             </a:r>
           </a:p>
@@ -5037,7 +5046,7 @@
               <a:buNone/>
             </a:pPr>
             <a:r>
-              <a:rPr lang="en-US" dirty="0"/>
+              <a:rPr lang="en-US"/>
               <a:t>    &lt;/head&gt;</a:t>
             </a:r>
           </a:p>
@@ -5046,7 +5055,7 @@
               <a:buNone/>
             </a:pPr>
             <a:r>
-              <a:rPr lang="en-US" dirty="0"/>
+              <a:rPr lang="en-US"/>
               <a:t>    &lt;body&gt;</a:t>
             </a:r>
           </a:p>
@@ -5055,7 +5064,7 @@
               <a:buNone/>
             </a:pPr>
             <a:r>
-              <a:rPr lang="en-US" dirty="0"/>
+              <a:rPr lang="en-US"/>
               <a:t>        &lt;h1&gt;Welcome!&lt;/h1&gt;</a:t>
             </a:r>
           </a:p>
@@ -5064,15 +5073,15 @@
               <a:buNone/>
             </a:pPr>
             <a:r>
-              <a:rPr lang="en-US" dirty="0"/>
+              <a:rPr lang="en-US"/>
               <a:t>        &lt;p&gt;This is a paragraph with a &lt;a </a:t>
             </a:r>
             <a:r>
-              <a:rPr lang="en-US" dirty="0" err="1"/>
+              <a:rPr lang="en-US" err="1"/>
               <a:t>href</a:t>
             </a:r>
             <a:r>
-              <a:rPr lang="en-US" dirty="0"/>
+              <a:rPr lang="en-US"/>
               <a:t>="index.html"&gt;link&lt;/a&gt; in it.&lt;/p&gt;</a:t>
             </a:r>
           </a:p>
@@ -5081,15 +5090,15 @@
               <a:buNone/>
             </a:pPr>
             <a:r>
-              <a:rPr lang="en-US" dirty="0"/>
+              <a:rPr lang="en-US"/>
               <a:t>        &lt;</a:t>
             </a:r>
             <a:r>
-              <a:rPr lang="en-US" dirty="0" err="1"/>
+              <a:rPr lang="en-US" err="1"/>
               <a:t>ul</a:t>
             </a:r>
             <a:r>
-              <a:rPr lang="en-US" dirty="0"/>
+              <a:rPr lang="en-US"/>
               <a:t>&gt;</a:t>
             </a:r>
           </a:p>
@@ -5098,7 +5107,7 @@
               <a:buNone/>
             </a:pPr>
             <a:r>
-              <a:rPr lang="en-US" dirty="0"/>
+              <a:rPr lang="en-US"/>
               <a:t>            &lt;li&gt;first item&lt;/li&gt;</a:t>
             </a:r>
           </a:p>
@@ -5107,7 +5116,7 @@
               <a:buNone/>
             </a:pPr>
             <a:r>
-              <a:rPr lang="en-US" dirty="0"/>
+              <a:rPr lang="en-US"/>
               <a:t>            &lt;li&gt;second item&lt;/li&gt;</a:t>
             </a:r>
           </a:p>
@@ -5116,7 +5125,7 @@
               <a:buNone/>
             </a:pPr>
             <a:r>
-              <a:rPr lang="en-US" dirty="0"/>
+              <a:rPr lang="en-US"/>
               <a:t>            &lt;li&gt;third item&lt;/li&gt;</a:t>
             </a:r>
           </a:p>
@@ -5125,15 +5134,15 @@
               <a:buNone/>
             </a:pPr>
             <a:r>
-              <a:rPr lang="en-US" dirty="0"/>
+              <a:rPr lang="en-US"/>
               <a:t>        &lt;/</a:t>
             </a:r>
             <a:r>
-              <a:rPr lang="en-US" dirty="0" err="1"/>
+              <a:rPr lang="en-US" err="1"/>
               <a:t>ul</a:t>
             </a:r>
             <a:r>
-              <a:rPr lang="en-US" dirty="0"/>
+              <a:rPr lang="en-US"/>
               <a:t>&gt;</a:t>
             </a:r>
           </a:p>
@@ -5142,7 +5151,7 @@
               <a:buNone/>
             </a:pPr>
             <a:r>
-              <a:rPr lang="en-US" dirty="0"/>
+              <a:rPr lang="en-US"/>
               <a:t>    &lt;/body&gt;</a:t>
             </a:r>
           </a:p>
@@ -5151,7 +5160,7 @@
               <a:buNone/>
             </a:pPr>
             <a:r>
-              <a:rPr lang="en-US" dirty="0"/>
+              <a:rPr lang="en-US"/>
               <a:t>&lt;/html&gt;</a:t>
             </a:r>
           </a:p>
@@ -5268,7 +5277,7 @@
           <a:lstStyle/>
           <a:p>
             <a:r>
-              <a:rPr lang="en-US" dirty="0"/>
+              <a:rPr lang="en-US"/>
               <a:t>Some useful information…</a:t>
             </a:r>
           </a:p>
@@ -5296,13 +5305,13 @@
           <a:lstStyle/>
           <a:p>
             <a:r>
-              <a:rPr lang="en-US" dirty="0"/>
+              <a:rPr lang="en-US"/>
               <a:t>The DOM Tree consists of DOM Nodes, which represent various parts of a document, including elements, attributes, and comments</a:t>
             </a:r>
           </a:p>
           <a:p>
             <a:r>
-              <a:rPr lang="en-US" dirty="0"/>
+              <a:rPr lang="en-US"/>
               <a:t>While we often use "nodes" and "elements" interchangeably since all elements are nodes within the tree, there are other node types as well, such as text nodes (which hold the text within block elements) and attribute nodes (which store key/value pairs)</a:t>
             </a:r>
           </a:p>
@@ -5360,7 +5369,7 @@
           <a:lstStyle/>
           <a:p>
             <a:r>
-              <a:rPr lang="en-US" dirty="0"/>
+              <a:rPr lang="en-US"/>
               <a:t>Consider the &lt;p&gt; element from this example:</a:t>
             </a:r>
           </a:p>
@@ -5391,15 +5400,15 @@
               <a:buNone/>
             </a:pPr>
             <a:r>
-              <a:rPr lang="en-US" dirty="0"/>
+              <a:rPr lang="en-US"/>
               <a:t>&lt;p&gt;This is a paragraph with a &lt;a </a:t>
             </a:r>
             <a:r>
-              <a:rPr lang="en-US" dirty="0" err="1"/>
+              <a:rPr lang="en-US" err="1"/>
               <a:t>href</a:t>
             </a:r>
             <a:r>
-              <a:rPr lang="en-US" dirty="0"/>
+              <a:rPr lang="en-US"/>
               <a:t>="index.html"&gt;link&lt;/a&gt; in it.&lt;/p&gt;</a:t>
             </a:r>
           </a:p>
@@ -5407,13 +5416,13 @@
             <a:pPr marL="0" indent="0">
               <a:buNone/>
             </a:pPr>
-            <a:endParaRPr lang="en-US" dirty="0"/>
+            <a:endParaRPr lang="en-US"/>
           </a:p>
           <a:p>
             <a:pPr marL="0" indent="0">
               <a:buNone/>
             </a:pPr>
-            <a:endParaRPr lang="en-US" dirty="0"/>
+            <a:endParaRPr lang="en-US"/>
           </a:p>
         </p:txBody>
       </p:sp>
@@ -5499,7 +5508,7 @@
           <a:lstStyle/>
           <a:p>
             <a:r>
-              <a:rPr lang="en-US" dirty="0"/>
+              <a:rPr lang="en-US"/>
               <a:t>Nodes and types</a:t>
             </a:r>
           </a:p>
@@ -5527,11 +5536,11 @@
           <a:lstStyle/>
           <a:p>
             <a:r>
-              <a:rPr lang="en-US" dirty="0"/>
+              <a:rPr lang="en-US"/>
               <a:t> </a:t>
             </a:r>
             <a:r>
-              <a:rPr lang="en-US" dirty="0">
+              <a:rPr lang="en-US">
                 <a:solidFill>
                   <a:srgbClr val="FFFF00"/>
                 </a:solidFill>
@@ -5539,23 +5548,23 @@
               <a:t>HTML Nodes</a:t>
             </a:r>
             <a:r>
-              <a:rPr lang="en-US" dirty="0"/>
+              <a:rPr lang="en-US"/>
               <a:t>: All html elements are called HTML nodes.</a:t>
             </a:r>
           </a:p>
           <a:p>
-            <a:endParaRPr lang="en-US" dirty="0"/>
-          </a:p>
-          <a:p>
-            <a:endParaRPr lang="en-US" dirty="0"/>
-          </a:p>
-          <a:p>
-            <a:r>
-              <a:rPr lang="en-US" dirty="0"/>
+            <a:endParaRPr lang="en-US"/>
+          </a:p>
+          <a:p>
+            <a:endParaRPr lang="en-US"/>
+          </a:p>
+          <a:p>
+            <a:r>
+              <a:rPr lang="en-US"/>
               <a:t> </a:t>
             </a:r>
             <a:r>
-              <a:rPr lang="en-US" dirty="0">
+              <a:rPr lang="en-US">
                 <a:solidFill>
                   <a:srgbClr val="FFFF00"/>
                 </a:solidFill>
@@ -5563,7 +5572,7 @@
               <a:t>Text Nodes</a:t>
             </a:r>
             <a:r>
-              <a:rPr lang="en-US" dirty="0"/>
+              <a:rPr lang="en-US"/>
               <a:t>: All text values are called text nodes...</a:t>
             </a:r>
           </a:p>
